--- a/The Walls (презентация).PPTX
+++ b/The Walls (презентация).PPTX
@@ -9,9 +9,11 @@
     <p:sldId id="257" r:id="rId3"/>
     <p:sldId id="258" r:id="rId4"/>
     <p:sldId id="259" r:id="rId5"/>
-    <p:sldId id="260" r:id="rId6"/>
-    <p:sldId id="261" r:id="rId7"/>
-    <p:sldId id="262" r:id="rId8"/>
+    <p:sldId id="263" r:id="rId6"/>
+    <p:sldId id="260" r:id="rId7"/>
+    <p:sldId id="261" r:id="rId8"/>
+    <p:sldId id="264" r:id="rId9"/>
+    <p:sldId id="262" r:id="rId10"/>
   </p:sldIdLst>
   <p:sldSz cx="12192000" cy="6858000"/>
   <p:notesSz cx="6858000" cy="9144000"/>
@@ -110,6 +112,11 @@
       </a:defRPr>
     </a:lvl9pPr>
   </p:defaultTextStyle>
+  <p:extLst>
+    <p:ext uri="{EFAFB233-063F-42B5-8137-9DF3F51BA10A}">
+      <p15:sldGuideLst xmlns:p15="http://schemas.microsoft.com/office/powerpoint/2012/main"/>
+    </p:ext>
+  </p:extLst>
 </p:presentation>
 </file>
 
@@ -342,7 +349,7 @@
           <a:p>
             <a:fld id="{98DC367A-F48C-485A-B3C4-EEBE12D827A9}" type="datetimeFigureOut">
               <a:rPr lang="ru-RU" smtClean="0"/>
-              <a:t>17.01.2023</a:t>
+              <a:t>18.01.2023</a:t>
             </a:fld>
             <a:endParaRPr lang="ru-RU"/>
           </a:p>
@@ -676,7 +683,7 @@
           <a:p>
             <a:fld id="{98DC367A-F48C-485A-B3C4-EEBE12D827A9}" type="datetimeFigureOut">
               <a:rPr lang="ru-RU" smtClean="0"/>
-              <a:t>17.01.2023</a:t>
+              <a:t>18.01.2023</a:t>
             </a:fld>
             <a:endParaRPr lang="ru-RU"/>
           </a:p>
@@ -954,7 +961,7 @@
           <a:p>
             <a:fld id="{98DC367A-F48C-485A-B3C4-EEBE12D827A9}" type="datetimeFigureOut">
               <a:rPr lang="ru-RU" smtClean="0"/>
-              <a:t>17.01.2023</a:t>
+              <a:t>18.01.2023</a:t>
             </a:fld>
             <a:endParaRPr lang="ru-RU"/>
           </a:p>
@@ -1522,7 +1529,7 @@
           <a:p>
             <a:fld id="{98DC367A-F48C-485A-B3C4-EEBE12D827A9}" type="datetimeFigureOut">
               <a:rPr lang="ru-RU" smtClean="0"/>
-              <a:t>17.01.2023</a:t>
+              <a:t>18.01.2023</a:t>
             </a:fld>
             <a:endParaRPr lang="ru-RU"/>
           </a:p>
@@ -1800,7 +1807,7 @@
           <a:p>
             <a:fld id="{98DC367A-F48C-485A-B3C4-EEBE12D827A9}" type="datetimeFigureOut">
               <a:rPr lang="ru-RU" smtClean="0"/>
-              <a:t>17.01.2023</a:t>
+              <a:t>18.01.2023</a:t>
             </a:fld>
             <a:endParaRPr lang="ru-RU"/>
           </a:p>
@@ -2362,7 +2369,7 @@
           <a:p>
             <a:fld id="{98DC367A-F48C-485A-B3C4-EEBE12D827A9}" type="datetimeFigureOut">
               <a:rPr lang="ru-RU" smtClean="0"/>
-              <a:t>17.01.2023</a:t>
+              <a:t>18.01.2023</a:t>
             </a:fld>
             <a:endParaRPr lang="ru-RU"/>
           </a:p>
@@ -2689,7 +2696,7 @@
           <a:p>
             <a:fld id="{98DC367A-F48C-485A-B3C4-EEBE12D827A9}" type="datetimeFigureOut">
               <a:rPr lang="ru-RU" smtClean="0"/>
-              <a:t>17.01.2023</a:t>
+              <a:t>18.01.2023</a:t>
             </a:fld>
             <a:endParaRPr lang="ru-RU"/>
           </a:p>
@@ -2866,7 +2873,7 @@
           <a:p>
             <a:fld id="{98DC367A-F48C-485A-B3C4-EEBE12D827A9}" type="datetimeFigureOut">
               <a:rPr lang="ru-RU" smtClean="0"/>
-              <a:t>17.01.2023</a:t>
+              <a:t>18.01.2023</a:t>
             </a:fld>
             <a:endParaRPr lang="ru-RU"/>
           </a:p>
@@ -3116,7 +3123,7 @@
           <a:p>
             <a:fld id="{98DC367A-F48C-485A-B3C4-EEBE12D827A9}" type="datetimeFigureOut">
               <a:rPr lang="ru-RU" smtClean="0"/>
-              <a:t>17.01.2023</a:t>
+              <a:t>18.01.2023</a:t>
             </a:fld>
             <a:endParaRPr lang="ru-RU"/>
           </a:p>
@@ -3328,7 +3335,7 @@
           <a:p>
             <a:fld id="{98DC367A-F48C-485A-B3C4-EEBE12D827A9}" type="datetimeFigureOut">
               <a:rPr lang="ru-RU" smtClean="0"/>
-              <a:t>17.01.2023</a:t>
+              <a:t>18.01.2023</a:t>
             </a:fld>
             <a:endParaRPr lang="ru-RU"/>
           </a:p>
@@ -3616,7 +3623,7 @@
           <a:p>
             <a:fld id="{98DC367A-F48C-485A-B3C4-EEBE12D827A9}" type="datetimeFigureOut">
               <a:rPr lang="ru-RU" smtClean="0"/>
-              <a:t>17.01.2023</a:t>
+              <a:t>18.01.2023</a:t>
             </a:fld>
             <a:endParaRPr lang="ru-RU"/>
           </a:p>
@@ -3894,7 +3901,7 @@
           <a:p>
             <a:fld id="{98DC367A-F48C-485A-B3C4-EEBE12D827A9}" type="datetimeFigureOut">
               <a:rPr lang="ru-RU" smtClean="0"/>
-              <a:t>17.01.2023</a:t>
+              <a:t>18.01.2023</a:t>
             </a:fld>
             <a:endParaRPr lang="ru-RU"/>
           </a:p>
@@ -4280,7 +4287,7 @@
           <a:p>
             <a:fld id="{98DC367A-F48C-485A-B3C4-EEBE12D827A9}" type="datetimeFigureOut">
               <a:rPr lang="ru-RU" smtClean="0"/>
-              <a:t>17.01.2023</a:t>
+              <a:t>18.01.2023</a:t>
             </a:fld>
             <a:endParaRPr lang="ru-RU"/>
           </a:p>
@@ -4440,7 +4447,7 @@
           <a:p>
             <a:fld id="{98DC367A-F48C-485A-B3C4-EEBE12D827A9}" type="datetimeFigureOut">
               <a:rPr lang="ru-RU" smtClean="0"/>
-              <a:t>17.01.2023</a:t>
+              <a:t>18.01.2023</a:t>
             </a:fld>
             <a:endParaRPr lang="ru-RU"/>
           </a:p>
@@ -4577,7 +4584,7 @@
           <a:p>
             <a:fld id="{98DC367A-F48C-485A-B3C4-EEBE12D827A9}" type="datetimeFigureOut">
               <a:rPr lang="ru-RU" smtClean="0"/>
-              <a:t>17.01.2023</a:t>
+              <a:t>18.01.2023</a:t>
             </a:fld>
             <a:endParaRPr lang="ru-RU"/>
           </a:p>
@@ -4874,7 +4881,7 @@
           <a:p>
             <a:fld id="{98DC367A-F48C-485A-B3C4-EEBE12D827A9}" type="datetimeFigureOut">
               <a:rPr lang="ru-RU" smtClean="0"/>
-              <a:t>17.01.2023</a:t>
+              <a:t>18.01.2023</a:t>
             </a:fld>
             <a:endParaRPr lang="ru-RU"/>
           </a:p>
@@ -5210,7 +5217,7 @@
           <a:p>
             <a:fld id="{98DC367A-F48C-485A-B3C4-EEBE12D827A9}" type="datetimeFigureOut">
               <a:rPr lang="ru-RU" smtClean="0"/>
-              <a:t>17.01.2023</a:t>
+              <a:t>18.01.2023</a:t>
             </a:fld>
             <a:endParaRPr lang="ru-RU"/>
           </a:p>
@@ -5436,7 +5443,7 @@
           <a:p>
             <a:fld id="{98DC367A-F48C-485A-B3C4-EEBE12D827A9}" type="datetimeFigureOut">
               <a:rPr lang="ru-RU" smtClean="0"/>
-              <a:t>17.01.2023</a:t>
+              <a:t>18.01.2023</a:t>
             </a:fld>
             <a:endParaRPr lang="ru-RU"/>
           </a:p>
@@ -6865,10 +6872,10 @@
       </p:grpSpPr>
       <p:pic>
         <p:nvPicPr>
-          <p:cNvPr id="7" name="Рисунок 6">
+          <p:cNvPr id="5" name="Рисунок 4">
             <a:extLst>
               <a:ext uri="{FF2B5EF4-FFF2-40B4-BE49-F238E27FC236}">
-                <a16:creationId xmlns:a16="http://schemas.microsoft.com/office/drawing/2014/main" id="{171DA71D-8887-B3B5-08B8-C2002EF90747}"/>
+                <a16:creationId xmlns:a16="http://schemas.microsoft.com/office/drawing/2014/main" id="{43437A48-F638-B2C8-17A2-F68599D6AFB0}"/>
               </a:ext>
             </a:extLst>
           </p:cNvPr>
@@ -6891,8 +6898,8 @@
         </p:blipFill>
         <p:spPr>
           <a:xfrm>
-            <a:off x="4495089" y="2795803"/>
-            <a:ext cx="3199785" cy="3378616"/>
+            <a:off x="887455" y="2722822"/>
+            <a:ext cx="3313973" cy="3505800"/>
           </a:xfrm>
           <a:prstGeom prst="rect">
             <a:avLst/>
@@ -6904,7 +6911,7 @@
           <p:cNvPr id="9" name="Рисунок 8">
             <a:extLst>
               <a:ext uri="{FF2B5EF4-FFF2-40B4-BE49-F238E27FC236}">
-                <a16:creationId xmlns:a16="http://schemas.microsoft.com/office/drawing/2014/main" id="{7EC76602-FCC8-17BB-4039-F9E69B70077C}"/>
+                <a16:creationId xmlns:a16="http://schemas.microsoft.com/office/drawing/2014/main" id="{1E0ED5C9-740E-4120-EF93-8AAFF8DD972A}"/>
               </a:ext>
             </a:extLst>
           </p:cNvPr>
@@ -6927,87 +6934,20 @@
         </p:blipFill>
         <p:spPr>
           <a:xfrm>
-            <a:off x="8345932" y="2795803"/>
-            <a:ext cx="3194097" cy="3378616"/>
+            <a:off x="4439014" y="2722822"/>
+            <a:ext cx="3313972" cy="3512413"/>
           </a:xfrm>
           <a:prstGeom prst="rect">
             <a:avLst/>
           </a:prstGeom>
         </p:spPr>
       </p:pic>
-      <p:sp>
-        <p:nvSpPr>
-          <p:cNvPr id="10" name="TextBox 9">
+      <p:pic>
+        <p:nvPicPr>
+          <p:cNvPr id="11" name="Рисунок 10">
             <a:extLst>
               <a:ext uri="{FF2B5EF4-FFF2-40B4-BE49-F238E27FC236}">
-                <a16:creationId xmlns:a16="http://schemas.microsoft.com/office/drawing/2014/main" id="{2E6BBA15-E0C8-ED8F-1B3F-01CD0AF5FC45}"/>
-              </a:ext>
-            </a:extLst>
-          </p:cNvPr>
-          <p:cNvSpPr txBox="1"/>
-          <p:nvPr/>
-        </p:nvSpPr>
-        <p:spPr>
-          <a:xfrm>
-            <a:off x="651972" y="479395"/>
-            <a:ext cx="8913180" cy="2031325"/>
-          </a:xfrm>
-          <a:prstGeom prst="rect">
-            <a:avLst/>
-          </a:prstGeom>
-          <a:noFill/>
-        </p:spPr>
-        <p:txBody>
-          <a:bodyPr wrap="square" rtlCol="0">
-            <a:spAutoFit/>
-          </a:bodyPr>
-          <a:lstStyle/>
-          <a:p>
-            <a:r>
-              <a:rPr lang="ru-RU" b="1" i="1" dirty="0"/>
-              <a:t>Основное окно. </a:t>
-            </a:r>
-          </a:p>
-          <a:p>
-            <a:r>
-              <a:rPr lang="ru-RU" dirty="0"/>
-              <a:t>Игровое окно, где пользователь может пройти лабиринт, перемещая героя стрелками Вверх, Вниз, Вправо и Влево, собрав все ключи и дойдя до выхода.</a:t>
-            </a:r>
-          </a:p>
-          <a:p>
-            <a:r>
-              <a:rPr lang="ru-RU" dirty="0"/>
-              <a:t>Для усложнения карта показывается не полностью.</a:t>
-            </a:r>
-          </a:p>
-          <a:p>
-            <a:endParaRPr lang="ru-RU" dirty="0"/>
-          </a:p>
-          <a:p>
-            <a:r>
-              <a:rPr lang="ru-RU" dirty="0"/>
-              <a:t>Запуск прописан в функции </a:t>
-            </a:r>
-            <a:r>
-              <a:rPr lang="en-US" dirty="0"/>
-              <a:t>game()</a:t>
-            </a:r>
-          </a:p>
-          <a:p>
-            <a:r>
-              <a:rPr lang="ru-RU" i="1" dirty="0"/>
-              <a:t>Установлена фоновая музыка, а также звуковые эффекты.</a:t>
-            </a:r>
-            <a:endParaRPr lang="ru-RU" dirty="0"/>
-          </a:p>
-        </p:txBody>
-      </p:sp>
-      <p:pic>
-        <p:nvPicPr>
-          <p:cNvPr id="14" name="Рисунок 13">
-            <a:extLst>
-              <a:ext uri="{FF2B5EF4-FFF2-40B4-BE49-F238E27FC236}">
-                <a16:creationId xmlns:a16="http://schemas.microsoft.com/office/drawing/2014/main" id="{FC40F86F-2628-7BFC-E90F-86E870BC0891}"/>
+                <a16:creationId xmlns:a16="http://schemas.microsoft.com/office/drawing/2014/main" id="{5AB4333C-AE9F-9BDB-0E2E-C6EC3CF4AB17}"/>
               </a:ext>
             </a:extLst>
           </p:cNvPr>
@@ -7030,18 +6970,80 @@
         </p:blipFill>
         <p:spPr>
           <a:xfrm>
-            <a:off x="651972" y="2795802"/>
-            <a:ext cx="3192060" cy="3389179"/>
+            <a:off x="7990574" y="2722822"/>
+            <a:ext cx="3313973" cy="3526067"/>
           </a:xfrm>
           <a:prstGeom prst="rect">
             <a:avLst/>
           </a:prstGeom>
         </p:spPr>
       </p:pic>
+      <p:sp>
+        <p:nvSpPr>
+          <p:cNvPr id="15" name="TextBox 14">
+            <a:extLst>
+              <a:ext uri="{FF2B5EF4-FFF2-40B4-BE49-F238E27FC236}">
+                <a16:creationId xmlns:a16="http://schemas.microsoft.com/office/drawing/2014/main" id="{B393C302-66EE-CB32-EE3D-D1D21E0F08AE}"/>
+              </a:ext>
+            </a:extLst>
+          </p:cNvPr>
+          <p:cNvSpPr txBox="1"/>
+          <p:nvPr/>
+        </p:nvSpPr>
+        <p:spPr>
+          <a:xfrm>
+            <a:off x="782471" y="629378"/>
+            <a:ext cx="6094520" cy="1754326"/>
+          </a:xfrm>
+          <a:prstGeom prst="rect">
+            <a:avLst/>
+          </a:prstGeom>
+          <a:noFill/>
+        </p:spPr>
+        <p:txBody>
+          <a:bodyPr wrap="square">
+            <a:spAutoFit/>
+          </a:bodyPr>
+          <a:lstStyle/>
+          <a:p>
+            <a:r>
+              <a:rPr lang="ru-RU" b="1" i="1" dirty="0"/>
+              <a:t>Помощь.</a:t>
+            </a:r>
+          </a:p>
+          <a:p>
+            <a:r>
+              <a:rPr lang="ru-RU" dirty="0"/>
+              <a:t>Небольшая документация, содержащая всю информацию о игре.</a:t>
+            </a:r>
+          </a:p>
+          <a:p>
+            <a:endParaRPr lang="ru-RU" dirty="0"/>
+          </a:p>
+          <a:p>
+            <a:r>
+              <a:rPr lang="ru-RU" dirty="0"/>
+              <a:t>Запуск прописан в функции </a:t>
+            </a:r>
+            <a:r>
+              <a:rPr lang="en-US" dirty="0"/>
+              <a:t>menu()</a:t>
+            </a:r>
+            <a:endParaRPr lang="ru-RU" dirty="0"/>
+          </a:p>
+          <a:p>
+            <a:r>
+              <a:rPr lang="ru-RU" i="1" dirty="0"/>
+              <a:t>Установлена фоновая музыка стартового окна.</a:t>
+            </a:r>
+            <a:endParaRPr lang="ru-RU" dirty="0"/>
+          </a:p>
+        </p:txBody>
+      </p:sp>
     </p:spTree>
     <p:extLst>
       <p:ext uri="{BB962C8B-B14F-4D97-AF65-F5344CB8AC3E}">
-        <p14:creationId xmlns:p14="http://schemas.microsoft.com/office/powerpoint/2010/main" val="667472065"/>
+        <p14:creationId xmlns:p14="http://schemas.microsoft.com/office/powerpoint/2010/main" val="3215448366"/>
       </p:ext>
     </p:extLst>
   </p:cSld>
@@ -7085,6 +7087,223 @@
           <p:cNvPr id="7" name="Рисунок 6">
             <a:extLst>
               <a:ext uri="{FF2B5EF4-FFF2-40B4-BE49-F238E27FC236}">
+                <a16:creationId xmlns:a16="http://schemas.microsoft.com/office/drawing/2014/main" id="{171DA71D-8887-B3B5-08B8-C2002EF90747}"/>
+              </a:ext>
+            </a:extLst>
+          </p:cNvPr>
+          <p:cNvPicPr>
+            <a:picLocks noChangeAspect="1"/>
+          </p:cNvPicPr>
+          <p:nvPr/>
+        </p:nvPicPr>
+        <p:blipFill>
+          <a:blip r:embed="rId2">
+            <a:extLst>
+              <a:ext uri="{28A0092B-C50C-407E-A947-70E740481C1C}">
+                <a14:useLocalDpi xmlns:a14="http://schemas.microsoft.com/office/drawing/2010/main" val="0"/>
+              </a:ext>
+            </a:extLst>
+          </a:blip>
+          <a:stretch>
+            <a:fillRect/>
+          </a:stretch>
+        </p:blipFill>
+        <p:spPr>
+          <a:xfrm>
+            <a:off x="4495089" y="2795803"/>
+            <a:ext cx="3199785" cy="3378616"/>
+          </a:xfrm>
+          <a:prstGeom prst="rect">
+            <a:avLst/>
+          </a:prstGeom>
+        </p:spPr>
+      </p:pic>
+      <p:pic>
+        <p:nvPicPr>
+          <p:cNvPr id="9" name="Рисунок 8">
+            <a:extLst>
+              <a:ext uri="{FF2B5EF4-FFF2-40B4-BE49-F238E27FC236}">
+                <a16:creationId xmlns:a16="http://schemas.microsoft.com/office/drawing/2014/main" id="{7EC76602-FCC8-17BB-4039-F9E69B70077C}"/>
+              </a:ext>
+            </a:extLst>
+          </p:cNvPr>
+          <p:cNvPicPr>
+            <a:picLocks noChangeAspect="1"/>
+          </p:cNvPicPr>
+          <p:nvPr/>
+        </p:nvPicPr>
+        <p:blipFill>
+          <a:blip r:embed="rId3">
+            <a:extLst>
+              <a:ext uri="{28A0092B-C50C-407E-A947-70E740481C1C}">
+                <a14:useLocalDpi xmlns:a14="http://schemas.microsoft.com/office/drawing/2010/main" val="0"/>
+              </a:ext>
+            </a:extLst>
+          </a:blip>
+          <a:stretch>
+            <a:fillRect/>
+          </a:stretch>
+        </p:blipFill>
+        <p:spPr>
+          <a:xfrm>
+            <a:off x="8020403" y="2795803"/>
+            <a:ext cx="3194097" cy="3378616"/>
+          </a:xfrm>
+          <a:prstGeom prst="rect">
+            <a:avLst/>
+          </a:prstGeom>
+        </p:spPr>
+      </p:pic>
+      <p:sp>
+        <p:nvSpPr>
+          <p:cNvPr id="10" name="TextBox 9">
+            <a:extLst>
+              <a:ext uri="{FF2B5EF4-FFF2-40B4-BE49-F238E27FC236}">
+                <a16:creationId xmlns:a16="http://schemas.microsoft.com/office/drawing/2014/main" id="{2E6BBA15-E0C8-ED8F-1B3F-01CD0AF5FC45}"/>
+              </a:ext>
+            </a:extLst>
+          </p:cNvPr>
+          <p:cNvSpPr txBox="1"/>
+          <p:nvPr/>
+        </p:nvSpPr>
+        <p:spPr>
+          <a:xfrm>
+            <a:off x="651972" y="479395"/>
+            <a:ext cx="8913180" cy="2031325"/>
+          </a:xfrm>
+          <a:prstGeom prst="rect">
+            <a:avLst/>
+          </a:prstGeom>
+          <a:noFill/>
+        </p:spPr>
+        <p:txBody>
+          <a:bodyPr wrap="square" rtlCol="0">
+            <a:spAutoFit/>
+          </a:bodyPr>
+          <a:lstStyle/>
+          <a:p>
+            <a:r>
+              <a:rPr lang="ru-RU" b="1" i="1" dirty="0"/>
+              <a:t>Основное окно. </a:t>
+            </a:r>
+          </a:p>
+          <a:p>
+            <a:r>
+              <a:rPr lang="ru-RU" dirty="0"/>
+              <a:t>Игровое окно, где пользователь может пройти лабиринт, перемещая героя стрелками Вверх, Вниз, Вправо и Влево, собрав все ключи и дойдя до выхода.</a:t>
+            </a:r>
+          </a:p>
+          <a:p>
+            <a:r>
+              <a:rPr lang="ru-RU" dirty="0"/>
+              <a:t>Для усложнения карта показывается не полностью.</a:t>
+            </a:r>
+          </a:p>
+          <a:p>
+            <a:endParaRPr lang="ru-RU" dirty="0"/>
+          </a:p>
+          <a:p>
+            <a:r>
+              <a:rPr lang="ru-RU" dirty="0"/>
+              <a:t>Запуск прописан в функции </a:t>
+            </a:r>
+            <a:r>
+              <a:rPr lang="en-US" dirty="0"/>
+              <a:t>game()</a:t>
+            </a:r>
+          </a:p>
+          <a:p>
+            <a:r>
+              <a:rPr lang="ru-RU" i="1" dirty="0"/>
+              <a:t>Установлена фоновая музыка, а также звуковые эффекты.</a:t>
+            </a:r>
+            <a:endParaRPr lang="ru-RU" dirty="0"/>
+          </a:p>
+        </p:txBody>
+      </p:sp>
+      <p:pic>
+        <p:nvPicPr>
+          <p:cNvPr id="14" name="Рисунок 13">
+            <a:extLst>
+              <a:ext uri="{FF2B5EF4-FFF2-40B4-BE49-F238E27FC236}">
+                <a16:creationId xmlns:a16="http://schemas.microsoft.com/office/drawing/2014/main" id="{FC40F86F-2628-7BFC-E90F-86E870BC0891}"/>
+              </a:ext>
+            </a:extLst>
+          </p:cNvPr>
+          <p:cNvPicPr>
+            <a:picLocks noChangeAspect="1"/>
+          </p:cNvPicPr>
+          <p:nvPr/>
+        </p:nvPicPr>
+        <p:blipFill>
+          <a:blip r:embed="rId4">
+            <a:extLst>
+              <a:ext uri="{28A0092B-C50C-407E-A947-70E740481C1C}">
+                <a14:useLocalDpi xmlns:a14="http://schemas.microsoft.com/office/drawing/2010/main" val="0"/>
+              </a:ext>
+            </a:extLst>
+          </a:blip>
+          <a:stretch>
+            <a:fillRect/>
+          </a:stretch>
+        </p:blipFill>
+        <p:spPr>
+          <a:xfrm>
+            <a:off x="977500" y="2795803"/>
+            <a:ext cx="3192060" cy="3389179"/>
+          </a:xfrm>
+          <a:prstGeom prst="rect">
+            <a:avLst/>
+          </a:prstGeom>
+        </p:spPr>
+      </p:pic>
+    </p:spTree>
+    <p:extLst>
+      <p:ext uri="{BB962C8B-B14F-4D97-AF65-F5344CB8AC3E}">
+        <p14:creationId xmlns:p14="http://schemas.microsoft.com/office/powerpoint/2010/main" val="667472065"/>
+      </p:ext>
+    </p:extLst>
+  </p:cSld>
+  <p:clrMapOvr>
+    <a:masterClrMapping/>
+  </p:clrMapOvr>
+  <mc:AlternateContent xmlns:mc="http://schemas.openxmlformats.org/markup-compatibility/2006" xmlns:p14="http://schemas.microsoft.com/office/powerpoint/2010/main">
+    <mc:Choice Requires="p14">
+      <p:transition spd="med" p14:dur="700">
+        <p:fade/>
+      </p:transition>
+    </mc:Choice>
+    <mc:Fallback xmlns="">
+      <p:transition spd="med">
+        <p:fade/>
+      </p:transition>
+    </mc:Fallback>
+  </mc:AlternateContent>
+</p:sld>
+</file>
+
+<file path=ppt/slides/slide7.xml><?xml version="1.0" encoding="utf-8"?>
+<p:sld xmlns:a="http://schemas.openxmlformats.org/drawingml/2006/main" xmlns:r="http://schemas.openxmlformats.org/officeDocument/2006/relationships" xmlns:p="http://schemas.openxmlformats.org/presentationml/2006/main">
+  <p:cSld>
+    <p:spTree>
+      <p:nvGrpSpPr>
+        <p:cNvPr id="1" name=""/>
+        <p:cNvGrpSpPr/>
+        <p:nvPr/>
+      </p:nvGrpSpPr>
+      <p:grpSpPr>
+        <a:xfrm>
+          <a:off x="0" y="0"/>
+          <a:ext cx="0" cy="0"/>
+          <a:chOff x="0" y="0"/>
+          <a:chExt cx="0" cy="0"/>
+        </a:xfrm>
+      </p:grpSpPr>
+      <p:pic>
+        <p:nvPicPr>
+          <p:cNvPr id="7" name="Рисунок 6">
+            <a:extLst>
+              <a:ext uri="{FF2B5EF4-FFF2-40B4-BE49-F238E27FC236}">
                 <a16:creationId xmlns:a16="http://schemas.microsoft.com/office/drawing/2014/main" id="{F99A28EA-CF82-3F8F-E5FF-C0FB1FD4B4A5}"/>
               </a:ext>
             </a:extLst>
@@ -7108,8 +7327,8 @@
         </p:blipFill>
         <p:spPr>
           <a:xfrm>
-            <a:off x="6440749" y="2659534"/>
-            <a:ext cx="3386483" cy="3588863"/>
+            <a:off x="5774923" y="2481980"/>
+            <a:ext cx="3712752" cy="3934630"/>
           </a:xfrm>
           <a:prstGeom prst="rect">
             <a:avLst/>
@@ -7144,8 +7363,8 @@
         </p:blipFill>
         <p:spPr>
           <a:xfrm>
-            <a:off x="1225118" y="2659535"/>
-            <a:ext cx="3392861" cy="3588863"/>
+            <a:off x="1313894" y="2481979"/>
+            <a:ext cx="3719745" cy="3934631"/>
           </a:xfrm>
           <a:prstGeom prst="rect">
             <a:avLst/>
@@ -7166,7 +7385,7 @@
         </p:nvSpPr>
         <p:spPr>
           <a:xfrm>
-            <a:off x="1225118" y="719092"/>
+            <a:off x="665824" y="600726"/>
             <a:ext cx="10431262" cy="1477328"/>
           </a:xfrm>
           <a:prstGeom prst="rect">
@@ -7238,7 +7457,146 @@
 </p:sld>
 </file>
 
-<file path=ppt/slides/slide7.xml><?xml version="1.0" encoding="utf-8"?>
+<file path=ppt/slides/slide8.xml><?xml version="1.0" encoding="utf-8"?>
+<p:sld xmlns:a="http://schemas.openxmlformats.org/drawingml/2006/main" xmlns:r="http://schemas.openxmlformats.org/officeDocument/2006/relationships" xmlns:p="http://schemas.openxmlformats.org/presentationml/2006/main">
+  <p:cSld>
+    <p:spTree>
+      <p:nvGrpSpPr>
+        <p:cNvPr id="1" name=""/>
+        <p:cNvGrpSpPr/>
+        <p:nvPr/>
+      </p:nvGrpSpPr>
+      <p:grpSpPr>
+        <a:xfrm>
+          <a:off x="0" y="0"/>
+          <a:ext cx="0" cy="0"/>
+          <a:chOff x="0" y="0"/>
+          <a:chExt cx="0" cy="0"/>
+        </a:xfrm>
+      </p:grpSpPr>
+      <p:sp>
+        <p:nvSpPr>
+          <p:cNvPr id="4" name="TextBox 3">
+            <a:extLst>
+              <a:ext uri="{FF2B5EF4-FFF2-40B4-BE49-F238E27FC236}">
+                <a16:creationId xmlns:a16="http://schemas.microsoft.com/office/drawing/2014/main" id="{3DEE2C2F-E8C2-CE1B-25F2-A79325C6BC57}"/>
+              </a:ext>
+            </a:extLst>
+          </p:cNvPr>
+          <p:cNvSpPr txBox="1"/>
+          <p:nvPr/>
+        </p:nvSpPr>
+        <p:spPr>
+          <a:xfrm>
+            <a:off x="727969" y="621437"/>
+            <a:ext cx="7199790" cy="1754326"/>
+          </a:xfrm>
+          <a:prstGeom prst="rect">
+            <a:avLst/>
+          </a:prstGeom>
+          <a:noFill/>
+        </p:spPr>
+        <p:txBody>
+          <a:bodyPr wrap="square" rtlCol="0">
+            <a:spAutoFit/>
+          </a:bodyPr>
+          <a:lstStyle/>
+          <a:p>
+            <a:r>
+              <a:rPr lang="ru-RU" b="1" i="1" dirty="0"/>
+              <a:t>Мини-игра.</a:t>
+            </a:r>
+          </a:p>
+          <a:p>
+            <a:r>
+              <a:rPr lang="ru-RU" dirty="0"/>
+              <a:t>При проигрыше есть шанс получить возможность вернуться, сыграв в крестики-нолики со стражем лабиринта</a:t>
+            </a:r>
+          </a:p>
+          <a:p>
+            <a:endParaRPr lang="ru-RU" dirty="0"/>
+          </a:p>
+          <a:p>
+            <a:r>
+              <a:rPr lang="ru-RU" dirty="0"/>
+              <a:t>Запуск прописан в функции </a:t>
+            </a:r>
+            <a:r>
+              <a:rPr lang="en-US" dirty="0"/>
+              <a:t>game()</a:t>
+            </a:r>
+          </a:p>
+          <a:p>
+            <a:r>
+              <a:rPr lang="ru-RU" i="1" dirty="0"/>
+              <a:t>Установлена фоновая музыка игрового окна.</a:t>
+            </a:r>
+            <a:endParaRPr lang="ru-RU" dirty="0"/>
+          </a:p>
+        </p:txBody>
+      </p:sp>
+      <p:pic>
+        <p:nvPicPr>
+          <p:cNvPr id="6" name="Рисунок 5">
+            <a:extLst>
+              <a:ext uri="{FF2B5EF4-FFF2-40B4-BE49-F238E27FC236}">
+                <a16:creationId xmlns:a16="http://schemas.microsoft.com/office/drawing/2014/main" id="{45360F36-3137-4676-1517-F584A2749690}"/>
+              </a:ext>
+            </a:extLst>
+          </p:cNvPr>
+          <p:cNvPicPr>
+            <a:picLocks noChangeAspect="1"/>
+          </p:cNvPicPr>
+          <p:nvPr/>
+        </p:nvPicPr>
+        <p:blipFill>
+          <a:blip r:embed="rId2">
+            <a:extLst>
+              <a:ext uri="{28A0092B-C50C-407E-A947-70E740481C1C}">
+                <a14:useLocalDpi xmlns:a14="http://schemas.microsoft.com/office/drawing/2010/main" val="0"/>
+              </a:ext>
+            </a:extLst>
+          </a:blip>
+          <a:stretch>
+            <a:fillRect/>
+          </a:stretch>
+        </p:blipFill>
+        <p:spPr>
+          <a:xfrm>
+            <a:off x="1556829" y="2503525"/>
+            <a:ext cx="3734262" cy="3957425"/>
+          </a:xfrm>
+          <a:prstGeom prst="rect">
+            <a:avLst/>
+          </a:prstGeom>
+        </p:spPr>
+      </p:pic>
+    </p:spTree>
+    <p:extLst>
+      <p:ext uri="{BB962C8B-B14F-4D97-AF65-F5344CB8AC3E}">
+        <p14:creationId xmlns:p14="http://schemas.microsoft.com/office/powerpoint/2010/main" val="2762042831"/>
+      </p:ext>
+    </p:extLst>
+  </p:cSld>
+  <p:clrMapOvr>
+    <a:masterClrMapping/>
+  </p:clrMapOvr>
+  <mc:AlternateContent xmlns:mc="http://schemas.openxmlformats.org/markup-compatibility/2006" xmlns:p14="http://schemas.microsoft.com/office/powerpoint/2010/main">
+    <mc:Choice Requires="p14">
+      <p:transition spd="med" p14:dur="700">
+        <p:fade/>
+      </p:transition>
+    </mc:Choice>
+    <mc:Fallback xmlns="">
+      <p:transition spd="med">
+        <p:fade/>
+      </p:transition>
+    </mc:Fallback>
+  </mc:AlternateContent>
+</p:sld>
+</file>
+
+<file path=ppt/slides/slide9.xml><?xml version="1.0" encoding="utf-8"?>
 <p:sld xmlns:a="http://schemas.openxmlformats.org/drawingml/2006/main" xmlns:r="http://schemas.openxmlformats.org/officeDocument/2006/relationships" xmlns:p="http://schemas.openxmlformats.org/presentationml/2006/main">
   <p:cSld>
     <p:spTree>

--- a/The Walls (презентация).PPTX
+++ b/The Walls (презентация).PPTX
@@ -349,7 +349,7 @@
           <a:p>
             <a:fld id="{98DC367A-F48C-485A-B3C4-EEBE12D827A9}" type="datetimeFigureOut">
               <a:rPr lang="ru-RU" smtClean="0"/>
-              <a:t>18.01.2023</a:t>
+              <a:t>03.02.2023</a:t>
             </a:fld>
             <a:endParaRPr lang="ru-RU"/>
           </a:p>
@@ -683,7 +683,7 @@
           <a:p>
             <a:fld id="{98DC367A-F48C-485A-B3C4-EEBE12D827A9}" type="datetimeFigureOut">
               <a:rPr lang="ru-RU" smtClean="0"/>
-              <a:t>18.01.2023</a:t>
+              <a:t>03.02.2023</a:t>
             </a:fld>
             <a:endParaRPr lang="ru-RU"/>
           </a:p>
@@ -961,7 +961,7 @@
           <a:p>
             <a:fld id="{98DC367A-F48C-485A-B3C4-EEBE12D827A9}" type="datetimeFigureOut">
               <a:rPr lang="ru-RU" smtClean="0"/>
-              <a:t>18.01.2023</a:t>
+              <a:t>03.02.2023</a:t>
             </a:fld>
             <a:endParaRPr lang="ru-RU"/>
           </a:p>
@@ -1529,7 +1529,7 @@
           <a:p>
             <a:fld id="{98DC367A-F48C-485A-B3C4-EEBE12D827A9}" type="datetimeFigureOut">
               <a:rPr lang="ru-RU" smtClean="0"/>
-              <a:t>18.01.2023</a:t>
+              <a:t>03.02.2023</a:t>
             </a:fld>
             <a:endParaRPr lang="ru-RU"/>
           </a:p>
@@ -1807,7 +1807,7 @@
           <a:p>
             <a:fld id="{98DC367A-F48C-485A-B3C4-EEBE12D827A9}" type="datetimeFigureOut">
               <a:rPr lang="ru-RU" smtClean="0"/>
-              <a:t>18.01.2023</a:t>
+              <a:t>03.02.2023</a:t>
             </a:fld>
             <a:endParaRPr lang="ru-RU"/>
           </a:p>
@@ -2369,7 +2369,7 @@
           <a:p>
             <a:fld id="{98DC367A-F48C-485A-B3C4-EEBE12D827A9}" type="datetimeFigureOut">
               <a:rPr lang="ru-RU" smtClean="0"/>
-              <a:t>18.01.2023</a:t>
+              <a:t>03.02.2023</a:t>
             </a:fld>
             <a:endParaRPr lang="ru-RU"/>
           </a:p>
@@ -2696,7 +2696,7 @@
           <a:p>
             <a:fld id="{98DC367A-F48C-485A-B3C4-EEBE12D827A9}" type="datetimeFigureOut">
               <a:rPr lang="ru-RU" smtClean="0"/>
-              <a:t>18.01.2023</a:t>
+              <a:t>03.02.2023</a:t>
             </a:fld>
             <a:endParaRPr lang="ru-RU"/>
           </a:p>
@@ -2873,7 +2873,7 @@
           <a:p>
             <a:fld id="{98DC367A-F48C-485A-B3C4-EEBE12D827A9}" type="datetimeFigureOut">
               <a:rPr lang="ru-RU" smtClean="0"/>
-              <a:t>18.01.2023</a:t>
+              <a:t>03.02.2023</a:t>
             </a:fld>
             <a:endParaRPr lang="ru-RU"/>
           </a:p>
@@ -3123,7 +3123,7 @@
           <a:p>
             <a:fld id="{98DC367A-F48C-485A-B3C4-EEBE12D827A9}" type="datetimeFigureOut">
               <a:rPr lang="ru-RU" smtClean="0"/>
-              <a:t>18.01.2023</a:t>
+              <a:t>03.02.2023</a:t>
             </a:fld>
             <a:endParaRPr lang="ru-RU"/>
           </a:p>
@@ -3335,7 +3335,7 @@
           <a:p>
             <a:fld id="{98DC367A-F48C-485A-B3C4-EEBE12D827A9}" type="datetimeFigureOut">
               <a:rPr lang="ru-RU" smtClean="0"/>
-              <a:t>18.01.2023</a:t>
+              <a:t>03.02.2023</a:t>
             </a:fld>
             <a:endParaRPr lang="ru-RU"/>
           </a:p>
@@ -3623,7 +3623,7 @@
           <a:p>
             <a:fld id="{98DC367A-F48C-485A-B3C4-EEBE12D827A9}" type="datetimeFigureOut">
               <a:rPr lang="ru-RU" smtClean="0"/>
-              <a:t>18.01.2023</a:t>
+              <a:t>03.02.2023</a:t>
             </a:fld>
             <a:endParaRPr lang="ru-RU"/>
           </a:p>
@@ -3901,7 +3901,7 @@
           <a:p>
             <a:fld id="{98DC367A-F48C-485A-B3C4-EEBE12D827A9}" type="datetimeFigureOut">
               <a:rPr lang="ru-RU" smtClean="0"/>
-              <a:t>18.01.2023</a:t>
+              <a:t>03.02.2023</a:t>
             </a:fld>
             <a:endParaRPr lang="ru-RU"/>
           </a:p>
@@ -4287,7 +4287,7 @@
           <a:p>
             <a:fld id="{98DC367A-F48C-485A-B3C4-EEBE12D827A9}" type="datetimeFigureOut">
               <a:rPr lang="ru-RU" smtClean="0"/>
-              <a:t>18.01.2023</a:t>
+              <a:t>03.02.2023</a:t>
             </a:fld>
             <a:endParaRPr lang="ru-RU"/>
           </a:p>
@@ -4447,7 +4447,7 @@
           <a:p>
             <a:fld id="{98DC367A-F48C-485A-B3C4-EEBE12D827A9}" type="datetimeFigureOut">
               <a:rPr lang="ru-RU" smtClean="0"/>
-              <a:t>18.01.2023</a:t>
+              <a:t>03.02.2023</a:t>
             </a:fld>
             <a:endParaRPr lang="ru-RU"/>
           </a:p>
@@ -4584,7 +4584,7 @@
           <a:p>
             <a:fld id="{98DC367A-F48C-485A-B3C4-EEBE12D827A9}" type="datetimeFigureOut">
               <a:rPr lang="ru-RU" smtClean="0"/>
-              <a:t>18.01.2023</a:t>
+              <a:t>03.02.2023</a:t>
             </a:fld>
             <a:endParaRPr lang="ru-RU"/>
           </a:p>
@@ -4881,7 +4881,7 @@
           <a:p>
             <a:fld id="{98DC367A-F48C-485A-B3C4-EEBE12D827A9}" type="datetimeFigureOut">
               <a:rPr lang="ru-RU" smtClean="0"/>
-              <a:t>18.01.2023</a:t>
+              <a:t>03.02.2023</a:t>
             </a:fld>
             <a:endParaRPr lang="ru-RU"/>
           </a:p>
@@ -5217,7 +5217,7 @@
           <a:p>
             <a:fld id="{98DC367A-F48C-485A-B3C4-EEBE12D827A9}" type="datetimeFigureOut">
               <a:rPr lang="ru-RU" smtClean="0"/>
-              <a:t>18.01.2023</a:t>
+              <a:t>03.02.2023</a:t>
             </a:fld>
             <a:endParaRPr lang="ru-RU"/>
           </a:p>
@@ -5443,7 +5443,7 @@
           <a:p>
             <a:fld id="{98DC367A-F48C-485A-B3C4-EEBE12D827A9}" type="datetimeFigureOut">
               <a:rPr lang="ru-RU" smtClean="0"/>
-              <a:t>18.01.2023</a:t>
+              <a:t>03.02.2023</a:t>
             </a:fld>
             <a:endParaRPr lang="ru-RU"/>
           </a:p>
@@ -6942,12 +6942,74 @@
           </a:prstGeom>
         </p:spPr>
       </p:pic>
+      <p:sp>
+        <p:nvSpPr>
+          <p:cNvPr id="15" name="TextBox 14">
+            <a:extLst>
+              <a:ext uri="{FF2B5EF4-FFF2-40B4-BE49-F238E27FC236}">
+                <a16:creationId xmlns:a16="http://schemas.microsoft.com/office/drawing/2014/main" id="{B393C302-66EE-CB32-EE3D-D1D21E0F08AE}"/>
+              </a:ext>
+            </a:extLst>
+          </p:cNvPr>
+          <p:cNvSpPr txBox="1"/>
+          <p:nvPr/>
+        </p:nvSpPr>
+        <p:spPr>
+          <a:xfrm>
+            <a:off x="782471" y="629378"/>
+            <a:ext cx="6094520" cy="1754326"/>
+          </a:xfrm>
+          <a:prstGeom prst="rect">
+            <a:avLst/>
+          </a:prstGeom>
+          <a:noFill/>
+        </p:spPr>
+        <p:txBody>
+          <a:bodyPr wrap="square">
+            <a:spAutoFit/>
+          </a:bodyPr>
+          <a:lstStyle/>
+          <a:p>
+            <a:r>
+              <a:rPr lang="ru-RU" b="1" i="1" dirty="0"/>
+              <a:t>Помощь.</a:t>
+            </a:r>
+          </a:p>
+          <a:p>
+            <a:r>
+              <a:rPr lang="ru-RU" dirty="0"/>
+              <a:t>Небольшая документация, содержащая всю информацию о игре.</a:t>
+            </a:r>
+          </a:p>
+          <a:p>
+            <a:endParaRPr lang="ru-RU" dirty="0"/>
+          </a:p>
+          <a:p>
+            <a:r>
+              <a:rPr lang="ru-RU" dirty="0"/>
+              <a:t>Запуск прописан в функции </a:t>
+            </a:r>
+            <a:r>
+              <a:rPr lang="en-US" dirty="0"/>
+              <a:t>menu()</a:t>
+            </a:r>
+            <a:endParaRPr lang="ru-RU" dirty="0"/>
+          </a:p>
+          <a:p>
+            <a:r>
+              <a:rPr lang="ru-RU" i="1" dirty="0"/>
+              <a:t>Установлена фоновая музыка стартового окна.</a:t>
+            </a:r>
+            <a:endParaRPr lang="ru-RU" dirty="0"/>
+          </a:p>
+        </p:txBody>
+      </p:sp>
       <p:pic>
         <p:nvPicPr>
-          <p:cNvPr id="11" name="Рисунок 10">
+          <p:cNvPr id="3" name="Рисунок 2">
             <a:extLst>
               <a:ext uri="{FF2B5EF4-FFF2-40B4-BE49-F238E27FC236}">
-                <a16:creationId xmlns:a16="http://schemas.microsoft.com/office/drawing/2014/main" id="{5AB4333C-AE9F-9BDB-0E2E-C6EC3CF4AB17}"/>
+                <a16:creationId xmlns:a16="http://schemas.microsoft.com/office/drawing/2014/main" id="{C27BE46F-5C1C-F356-E0E0-2AFE9A5A4ACF}"/>
               </a:ext>
             </a:extLst>
           </p:cNvPr>
@@ -6970,76 +7032,14 @@
         </p:blipFill>
         <p:spPr>
           <a:xfrm>
-            <a:off x="7990574" y="2722822"/>
-            <a:ext cx="3313973" cy="3526067"/>
+            <a:off x="8037741" y="2722822"/>
+            <a:ext cx="3505800" cy="3505800"/>
           </a:xfrm>
           <a:prstGeom prst="rect">
             <a:avLst/>
           </a:prstGeom>
         </p:spPr>
       </p:pic>
-      <p:sp>
-        <p:nvSpPr>
-          <p:cNvPr id="15" name="TextBox 14">
-            <a:extLst>
-              <a:ext uri="{FF2B5EF4-FFF2-40B4-BE49-F238E27FC236}">
-                <a16:creationId xmlns:a16="http://schemas.microsoft.com/office/drawing/2014/main" id="{B393C302-66EE-CB32-EE3D-D1D21E0F08AE}"/>
-              </a:ext>
-            </a:extLst>
-          </p:cNvPr>
-          <p:cNvSpPr txBox="1"/>
-          <p:nvPr/>
-        </p:nvSpPr>
-        <p:spPr>
-          <a:xfrm>
-            <a:off x="782471" y="629378"/>
-            <a:ext cx="6094520" cy="1754326"/>
-          </a:xfrm>
-          <a:prstGeom prst="rect">
-            <a:avLst/>
-          </a:prstGeom>
-          <a:noFill/>
-        </p:spPr>
-        <p:txBody>
-          <a:bodyPr wrap="square">
-            <a:spAutoFit/>
-          </a:bodyPr>
-          <a:lstStyle/>
-          <a:p>
-            <a:r>
-              <a:rPr lang="ru-RU" b="1" i="1" dirty="0"/>
-              <a:t>Помощь.</a:t>
-            </a:r>
-          </a:p>
-          <a:p>
-            <a:r>
-              <a:rPr lang="ru-RU" dirty="0"/>
-              <a:t>Небольшая документация, содержащая всю информацию о игре.</a:t>
-            </a:r>
-          </a:p>
-          <a:p>
-            <a:endParaRPr lang="ru-RU" dirty="0"/>
-          </a:p>
-          <a:p>
-            <a:r>
-              <a:rPr lang="ru-RU" dirty="0"/>
-              <a:t>Запуск прописан в функции </a:t>
-            </a:r>
-            <a:r>
-              <a:rPr lang="en-US" dirty="0"/>
-              <a:t>menu()</a:t>
-            </a:r>
-            <a:endParaRPr lang="ru-RU" dirty="0"/>
-          </a:p>
-          <a:p>
-            <a:r>
-              <a:rPr lang="ru-RU" i="1" dirty="0"/>
-              <a:t>Установлена фоновая музыка стартового окна.</a:t>
-            </a:r>
-            <a:endParaRPr lang="ru-RU" dirty="0"/>
-          </a:p>
-        </p:txBody>
-      </p:sp>
     </p:spTree>
     <p:extLst>
       <p:ext uri="{BB962C8B-B14F-4D97-AF65-F5344CB8AC3E}">
